--- a/Architecture file azure.pptx
+++ b/Architecture file azure.pptx
@@ -6,6 +6,7 @@
   </p:sldMasterIdLst>
   <p:sldIdLst>
     <p:sldId id="256" r:id="rId2"/>
+    <p:sldId id="257" r:id="rId3"/>
   </p:sldIdLst>
   <p:sldSz cx="12192000" cy="6858000"/>
   <p:notesSz cx="6858000" cy="9144000"/>
@@ -3799,6 +3800,927 @@
 </p:sld>
 </file>
 
+<file path=ppt/slides/slide2.xml><?xml version="1.0" encoding="utf-8"?>
+<p:sld xmlns:a="http://schemas.openxmlformats.org/drawingml/2006/main" xmlns:r="http://schemas.openxmlformats.org/officeDocument/2006/relationships" xmlns:p="http://schemas.openxmlformats.org/presentationml/2006/main">
+  <p:cSld>
+    <p:spTree>
+      <p:nvGrpSpPr>
+        <p:cNvPr id="1" name=""/>
+        <p:cNvGrpSpPr/>
+        <p:nvPr/>
+      </p:nvGrpSpPr>
+      <p:grpSpPr>
+        <a:xfrm>
+          <a:off x="0" y="0"/>
+          <a:ext cx="0" cy="0"/>
+          <a:chOff x="0" y="0"/>
+          <a:chExt cx="0" cy="0"/>
+        </a:xfrm>
+      </p:grpSpPr>
+      <p:pic>
+        <p:nvPicPr>
+          <p:cNvPr id="7" name="Graphic 6">
+            <a:extLst>
+              <a:ext uri="{FF2B5EF4-FFF2-40B4-BE49-F238E27FC236}">
+                <a16:creationId xmlns:a16="http://schemas.microsoft.com/office/drawing/2014/main" id="{A11185A9-6D39-4B4C-B0CB-D9C3D8A3DB02}"/>
+              </a:ext>
+            </a:extLst>
+          </p:cNvPr>
+          <p:cNvPicPr>
+            <a:picLocks noChangeAspect="1"/>
+          </p:cNvPicPr>
+          <p:nvPr/>
+        </p:nvPicPr>
+        <p:blipFill>
+          <a:blip r:embed="rId2">
+            <a:extLst>
+              <a:ext uri="{28A0092B-C50C-407E-A947-70E740481C1C}">
+                <a14:useLocalDpi xmlns:a14="http://schemas.microsoft.com/office/drawing/2010/main" val="0"/>
+              </a:ext>
+              <a:ext uri="{96DAC541-7B7A-43D3-8B79-37D633B846F1}">
+                <asvg:svgBlip xmlns:asvg="http://schemas.microsoft.com/office/drawing/2016/SVG/main" r:embed="rId3"/>
+              </a:ext>
+            </a:extLst>
+          </a:blip>
+          <a:stretch>
+            <a:fillRect/>
+          </a:stretch>
+        </p:blipFill>
+        <p:spPr>
+          <a:xfrm>
+            <a:off x="6696075" y="3181910"/>
+            <a:ext cx="820831" cy="820831"/>
+          </a:xfrm>
+          <a:prstGeom prst="rect">
+            <a:avLst/>
+          </a:prstGeom>
+        </p:spPr>
+      </p:pic>
+      <p:pic>
+        <p:nvPicPr>
+          <p:cNvPr id="8" name="Graphic 7">
+            <a:extLst>
+              <a:ext uri="{FF2B5EF4-FFF2-40B4-BE49-F238E27FC236}">
+                <a16:creationId xmlns:a16="http://schemas.microsoft.com/office/drawing/2014/main" id="{158EFEA0-20A2-4610-9812-5562AB95E5CE}"/>
+              </a:ext>
+            </a:extLst>
+          </p:cNvPr>
+          <p:cNvPicPr>
+            <a:picLocks noChangeAspect="1"/>
+          </p:cNvPicPr>
+          <p:nvPr/>
+        </p:nvPicPr>
+        <p:blipFill>
+          <a:blip r:embed="rId2">
+            <a:extLst>
+              <a:ext uri="{28A0092B-C50C-407E-A947-70E740481C1C}">
+                <a14:useLocalDpi xmlns:a14="http://schemas.microsoft.com/office/drawing/2010/main" val="0"/>
+              </a:ext>
+              <a:ext uri="{96DAC541-7B7A-43D3-8B79-37D633B846F1}">
+                <asvg:svgBlip xmlns:asvg="http://schemas.microsoft.com/office/drawing/2016/SVG/main" r:embed="rId3"/>
+              </a:ext>
+            </a:extLst>
+          </a:blip>
+          <a:stretch>
+            <a:fillRect/>
+          </a:stretch>
+        </p:blipFill>
+        <p:spPr>
+          <a:xfrm>
+            <a:off x="8125946" y="3181910"/>
+            <a:ext cx="820831" cy="820831"/>
+          </a:xfrm>
+          <a:prstGeom prst="rect">
+            <a:avLst/>
+          </a:prstGeom>
+        </p:spPr>
+      </p:pic>
+      <p:sp>
+        <p:nvSpPr>
+          <p:cNvPr id="9" name="Title 8">
+            <a:extLst>
+              <a:ext uri="{FF2B5EF4-FFF2-40B4-BE49-F238E27FC236}">
+                <a16:creationId xmlns:a16="http://schemas.microsoft.com/office/drawing/2014/main" id="{5F151AF2-30AF-4C2E-82CD-59F47F20D36A}"/>
+              </a:ext>
+            </a:extLst>
+          </p:cNvPr>
+          <p:cNvSpPr>
+            <a:spLocks noGrp="1"/>
+          </p:cNvSpPr>
+          <p:nvPr>
+            <p:ph type="title"/>
+          </p:nvPr>
+        </p:nvSpPr>
+        <p:spPr>
+          <a:ln>
+            <a:noFill/>
+          </a:ln>
+          <a:effectLst>
+            <a:outerShdw blurRad="44450" dist="27940" dir="5400000" algn="ctr">
+              <a:srgbClr val="000000">
+                <a:alpha val="32000"/>
+              </a:srgbClr>
+            </a:outerShdw>
+          </a:effectLst>
+          <a:scene3d>
+            <a:camera prst="orthographicFront">
+              <a:rot lat="0" lon="0" rev="0"/>
+            </a:camera>
+            <a:lightRig rig="balanced" dir="t">
+              <a:rot lat="0" lon="0" rev="8700000"/>
+            </a:lightRig>
+          </a:scene3d>
+          <a:sp3d>
+            <a:bevelT w="190500" h="38100"/>
+          </a:sp3d>
+        </p:spPr>
+        <p:txBody>
+          <a:bodyPr>
+            <a:normAutofit/>
+          </a:bodyPr>
+          <a:lstStyle/>
+          <a:p>
+            <a:r>
+              <a:rPr lang="en-US" sz="2000" b="1" dirty="0">
+                <a:solidFill>
+                  <a:srgbClr val="0070C0"/>
+                </a:solidFill>
+              </a:rPr>
+              <a:t>This is the architecture after completed section 14 of deploying the container to AKS and we are using ACR to manage the image and run it.</a:t>
+            </a:r>
+          </a:p>
+        </p:txBody>
+      </p:sp>
+      <p:sp>
+        <p:nvSpPr>
+          <p:cNvPr id="11" name="Title 8">
+            <a:extLst>
+              <a:ext uri="{FF2B5EF4-FFF2-40B4-BE49-F238E27FC236}">
+                <a16:creationId xmlns:a16="http://schemas.microsoft.com/office/drawing/2014/main" id="{314C6B14-96D3-42FF-9298-BB4F73E3EAB2}"/>
+              </a:ext>
+            </a:extLst>
+          </p:cNvPr>
+          <p:cNvSpPr txBox="1">
+            <a:spLocks/>
+          </p:cNvSpPr>
+          <p:nvPr/>
+        </p:nvSpPr>
+        <p:spPr>
+          <a:xfrm>
+            <a:off x="8125946" y="4002741"/>
+            <a:ext cx="3115235" cy="368020"/>
+          </a:xfrm>
+          <a:prstGeom prst="rect">
+            <a:avLst/>
+          </a:prstGeom>
+        </p:spPr>
+        <p:txBody>
+          <a:bodyPr vert="horz" lIns="91440" tIns="45720" rIns="91440" bIns="45720" rtlCol="0" anchor="ctr">
+            <a:normAutofit/>
+          </a:bodyPr>
+          <a:lstStyle>
+            <a:lvl1pPr algn="l" defTabSz="914400" rtl="0" eaLnBrk="1" latinLnBrk="0" hangingPunct="1">
+              <a:lnSpc>
+                <a:spcPct val="90000"/>
+              </a:lnSpc>
+              <a:spcBef>
+                <a:spcPct val="0"/>
+              </a:spcBef>
+              <a:buNone/>
+              <a:defRPr sz="4400" kern="1200">
+                <a:solidFill>
+                  <a:schemeClr val="tx1"/>
+                </a:solidFill>
+                <a:latin typeface="+mj-lt"/>
+                <a:ea typeface="+mj-ea"/>
+                <a:cs typeface="+mj-cs"/>
+              </a:defRPr>
+            </a:lvl1pPr>
+          </a:lstStyle>
+          <a:p>
+            <a:r>
+              <a:rPr lang="en-US" sz="1400" b="1" dirty="0">
+                <a:solidFill>
+                  <a:srgbClr val="0070C0"/>
+                </a:solidFill>
+              </a:rPr>
+              <a:t>Weather-App-</a:t>
+            </a:r>
+            <a:r>
+              <a:rPr lang="en-US" sz="1400" b="1" dirty="0" err="1">
+                <a:solidFill>
+                  <a:srgbClr val="0070C0"/>
+                </a:solidFill>
+              </a:rPr>
+              <a:t>vm</a:t>
+            </a:r>
+            <a:endParaRPr lang="en-US" sz="1400" b="1" dirty="0">
+              <a:solidFill>
+                <a:srgbClr val="0070C0"/>
+              </a:solidFill>
+            </a:endParaRPr>
+          </a:p>
+        </p:txBody>
+      </p:sp>
+      <p:sp>
+        <p:nvSpPr>
+          <p:cNvPr id="12" name="Title 8">
+            <a:extLst>
+              <a:ext uri="{FF2B5EF4-FFF2-40B4-BE49-F238E27FC236}">
+                <a16:creationId xmlns:a16="http://schemas.microsoft.com/office/drawing/2014/main" id="{633ED7F6-6D40-4A1A-9300-0C4281EED909}"/>
+              </a:ext>
+            </a:extLst>
+          </p:cNvPr>
+          <p:cNvSpPr txBox="1">
+            <a:spLocks/>
+          </p:cNvSpPr>
+          <p:nvPr/>
+        </p:nvSpPr>
+        <p:spPr>
+          <a:xfrm>
+            <a:off x="6696075" y="4370761"/>
+            <a:ext cx="1049432" cy="368020"/>
+          </a:xfrm>
+          <a:prstGeom prst="rect">
+            <a:avLst/>
+          </a:prstGeom>
+        </p:spPr>
+        <p:txBody>
+          <a:bodyPr vert="horz" lIns="91440" tIns="45720" rIns="91440" bIns="45720" rtlCol="0" anchor="ctr">
+            <a:normAutofit/>
+          </a:bodyPr>
+          <a:lstStyle>
+            <a:lvl1pPr algn="l" defTabSz="914400" rtl="0" eaLnBrk="1" latinLnBrk="0" hangingPunct="1">
+              <a:lnSpc>
+                <a:spcPct val="90000"/>
+              </a:lnSpc>
+              <a:spcBef>
+                <a:spcPct val="0"/>
+              </a:spcBef>
+              <a:buNone/>
+              <a:defRPr sz="4400" kern="1200">
+                <a:solidFill>
+                  <a:schemeClr val="tx1"/>
+                </a:solidFill>
+                <a:latin typeface="+mj-lt"/>
+                <a:ea typeface="+mj-ea"/>
+                <a:cs typeface="+mj-cs"/>
+              </a:defRPr>
+            </a:lvl1pPr>
+          </a:lstStyle>
+          <a:p>
+            <a:r>
+              <a:rPr lang="en-US" sz="1400" b="1" dirty="0">
+                <a:solidFill>
+                  <a:srgbClr val="FF0000"/>
+                </a:solidFill>
+              </a:rPr>
+              <a:t>Catalog App</a:t>
+            </a:r>
+          </a:p>
+        </p:txBody>
+      </p:sp>
+      <p:sp>
+        <p:nvSpPr>
+          <p:cNvPr id="13" name="Rectangle 12">
+            <a:extLst>
+              <a:ext uri="{FF2B5EF4-FFF2-40B4-BE49-F238E27FC236}">
+                <a16:creationId xmlns:a16="http://schemas.microsoft.com/office/drawing/2014/main" id="{9AA238E2-F9A9-4F88-A4BB-38544A7BEB57}"/>
+              </a:ext>
+            </a:extLst>
+          </p:cNvPr>
+          <p:cNvSpPr/>
+          <p:nvPr/>
+        </p:nvSpPr>
+        <p:spPr>
+          <a:xfrm>
+            <a:off x="8100733" y="4385494"/>
+            <a:ext cx="1582830" cy="338554"/>
+          </a:xfrm>
+          <a:prstGeom prst="rect">
+            <a:avLst/>
+          </a:prstGeom>
+        </p:spPr>
+        <p:txBody>
+          <a:bodyPr wrap="square">
+            <a:spAutoFit/>
+          </a:bodyPr>
+          <a:lstStyle/>
+          <a:p>
+            <a:r>
+              <a:rPr lang="en-US" sz="1600" b="1" dirty="0">
+                <a:solidFill>
+                  <a:srgbClr val="FF0000"/>
+                </a:solidFill>
+              </a:rPr>
+              <a:t>Weather app</a:t>
+            </a:r>
+          </a:p>
+        </p:txBody>
+      </p:sp>
+      <p:pic>
+        <p:nvPicPr>
+          <p:cNvPr id="15" name="Graphic 14">
+            <a:extLst>
+              <a:ext uri="{FF2B5EF4-FFF2-40B4-BE49-F238E27FC236}">
+                <a16:creationId xmlns:a16="http://schemas.microsoft.com/office/drawing/2014/main" id="{AB8D6A0B-F140-4A54-A562-B62F75D180D5}"/>
+              </a:ext>
+            </a:extLst>
+          </p:cNvPr>
+          <p:cNvPicPr>
+            <a:picLocks noChangeAspect="1"/>
+          </p:cNvPicPr>
+          <p:nvPr/>
+        </p:nvPicPr>
+        <p:blipFill>
+          <a:blip r:embed="rId4">
+            <a:extLst>
+              <a:ext uri="{28A0092B-C50C-407E-A947-70E740481C1C}">
+                <a14:useLocalDpi xmlns:a14="http://schemas.microsoft.com/office/drawing/2010/main" val="0"/>
+              </a:ext>
+              <a:ext uri="{96DAC541-7B7A-43D3-8B79-37D633B846F1}">
+                <asvg:svgBlip xmlns:asvg="http://schemas.microsoft.com/office/drawing/2016/SVG/main" r:embed="rId5"/>
+              </a:ext>
+            </a:extLst>
+          </a:blip>
+          <a:stretch>
+            <a:fillRect/>
+          </a:stretch>
+        </p:blipFill>
+        <p:spPr>
+          <a:xfrm>
+            <a:off x="5274608" y="3181909"/>
+            <a:ext cx="820832" cy="820832"/>
+          </a:xfrm>
+          <a:prstGeom prst="rect">
+            <a:avLst/>
+          </a:prstGeom>
+        </p:spPr>
+      </p:pic>
+      <p:sp>
+        <p:nvSpPr>
+          <p:cNvPr id="18" name="Title 8">
+            <a:extLst>
+              <a:ext uri="{FF2B5EF4-FFF2-40B4-BE49-F238E27FC236}">
+                <a16:creationId xmlns:a16="http://schemas.microsoft.com/office/drawing/2014/main" id="{F5636B9A-C713-4A92-896A-777F1359D06D}"/>
+              </a:ext>
+            </a:extLst>
+          </p:cNvPr>
+          <p:cNvSpPr txBox="1">
+            <a:spLocks/>
+          </p:cNvSpPr>
+          <p:nvPr/>
+        </p:nvSpPr>
+        <p:spPr>
+          <a:xfrm>
+            <a:off x="5266203" y="4186751"/>
+            <a:ext cx="1174937" cy="552030"/>
+          </a:xfrm>
+          <a:prstGeom prst="rect">
+            <a:avLst/>
+          </a:prstGeom>
+        </p:spPr>
+        <p:txBody>
+          <a:bodyPr vert="horz" lIns="91440" tIns="45720" rIns="91440" bIns="45720" rtlCol="0" anchor="ctr">
+            <a:normAutofit/>
+          </a:bodyPr>
+          <a:lstStyle>
+            <a:lvl1pPr algn="l" defTabSz="914400" rtl="0" eaLnBrk="1" latinLnBrk="0" hangingPunct="1">
+              <a:lnSpc>
+                <a:spcPct val="90000"/>
+              </a:lnSpc>
+              <a:spcBef>
+                <a:spcPct val="0"/>
+              </a:spcBef>
+              <a:buNone/>
+              <a:defRPr sz="4400" kern="1200">
+                <a:solidFill>
+                  <a:schemeClr val="tx1"/>
+                </a:solidFill>
+                <a:latin typeface="+mj-lt"/>
+                <a:ea typeface="+mj-ea"/>
+                <a:cs typeface="+mj-cs"/>
+              </a:defRPr>
+            </a:lvl1pPr>
+          </a:lstStyle>
+          <a:p>
+            <a:r>
+              <a:rPr lang="en-US" sz="1400" b="1" dirty="0">
+                <a:solidFill>
+                  <a:srgbClr val="FF0000"/>
+                </a:solidFill>
+              </a:rPr>
+              <a:t>Inventory app service</a:t>
+            </a:r>
+          </a:p>
+        </p:txBody>
+      </p:sp>
+      <p:sp>
+        <p:nvSpPr>
+          <p:cNvPr id="20" name="Title 8">
+            <a:extLst>
+              <a:ext uri="{FF2B5EF4-FFF2-40B4-BE49-F238E27FC236}">
+                <a16:creationId xmlns:a16="http://schemas.microsoft.com/office/drawing/2014/main" id="{9A7E9D4A-E68B-4642-A03D-CE1DAD4E5A44}"/>
+              </a:ext>
+            </a:extLst>
+          </p:cNvPr>
+          <p:cNvSpPr txBox="1">
+            <a:spLocks/>
+          </p:cNvSpPr>
+          <p:nvPr/>
+        </p:nvSpPr>
+        <p:spPr>
+          <a:xfrm>
+            <a:off x="6696075" y="4060638"/>
+            <a:ext cx="1900518" cy="310123"/>
+          </a:xfrm>
+          <a:prstGeom prst="rect">
+            <a:avLst/>
+          </a:prstGeom>
+        </p:spPr>
+        <p:txBody>
+          <a:bodyPr vert="horz" lIns="91440" tIns="45720" rIns="91440" bIns="45720" rtlCol="0" anchor="ctr">
+            <a:normAutofit/>
+          </a:bodyPr>
+          <a:lstStyle>
+            <a:lvl1pPr algn="l" defTabSz="914400" rtl="0" eaLnBrk="1" latinLnBrk="0" hangingPunct="1">
+              <a:lnSpc>
+                <a:spcPct val="90000"/>
+              </a:lnSpc>
+              <a:spcBef>
+                <a:spcPct val="0"/>
+              </a:spcBef>
+              <a:buNone/>
+              <a:defRPr sz="4400" kern="1200">
+                <a:solidFill>
+                  <a:schemeClr val="tx1"/>
+                </a:solidFill>
+                <a:latin typeface="+mj-lt"/>
+                <a:ea typeface="+mj-ea"/>
+                <a:cs typeface="+mj-cs"/>
+              </a:defRPr>
+            </a:lvl1pPr>
+          </a:lstStyle>
+          <a:p>
+            <a:r>
+              <a:rPr lang="en-US" sz="1400" b="1">
+                <a:solidFill>
+                  <a:srgbClr val="0070C0"/>
+                </a:solidFill>
+              </a:rPr>
+              <a:t>Read-it-vm</a:t>
+            </a:r>
+            <a:endParaRPr lang="en-US" sz="1400" b="1" dirty="0">
+              <a:solidFill>
+                <a:srgbClr val="0070C0"/>
+              </a:solidFill>
+            </a:endParaRPr>
+          </a:p>
+        </p:txBody>
+      </p:sp>
+      <p:pic>
+        <p:nvPicPr>
+          <p:cNvPr id="3" name="Graphic 2">
+            <a:extLst>
+              <a:ext uri="{FF2B5EF4-FFF2-40B4-BE49-F238E27FC236}">
+                <a16:creationId xmlns:a16="http://schemas.microsoft.com/office/drawing/2014/main" id="{F80E19AE-F1B8-4131-83F1-3B9AD6C63DA7}"/>
+              </a:ext>
+            </a:extLst>
+          </p:cNvPr>
+          <p:cNvPicPr>
+            <a:picLocks noChangeAspect="1"/>
+          </p:cNvPicPr>
+          <p:nvPr/>
+        </p:nvPicPr>
+        <p:blipFill>
+          <a:blip r:embed="rId6">
+            <a:extLst>
+              <a:ext uri="{28A0092B-C50C-407E-A947-70E740481C1C}">
+                <a14:useLocalDpi xmlns:a14="http://schemas.microsoft.com/office/drawing/2010/main" val="0"/>
+              </a:ext>
+              <a:ext uri="{96DAC541-7B7A-43D3-8B79-37D633B846F1}">
+                <asvg:svgBlip xmlns:asvg="http://schemas.microsoft.com/office/drawing/2016/SVG/main" r:embed="rId7"/>
+              </a:ext>
+            </a:extLst>
+          </a:blip>
+          <a:stretch>
+            <a:fillRect/>
+          </a:stretch>
+        </p:blipFill>
+        <p:spPr>
+          <a:xfrm>
+            <a:off x="4000778" y="3107670"/>
+            <a:ext cx="969310" cy="969310"/>
+          </a:xfrm>
+          <a:prstGeom prst="rect">
+            <a:avLst/>
+          </a:prstGeom>
+        </p:spPr>
+      </p:pic>
+      <p:sp>
+        <p:nvSpPr>
+          <p:cNvPr id="14" name="Title 8">
+            <a:extLst>
+              <a:ext uri="{FF2B5EF4-FFF2-40B4-BE49-F238E27FC236}">
+                <a16:creationId xmlns:a16="http://schemas.microsoft.com/office/drawing/2014/main" id="{6CD1AC8B-A731-4793-9BED-36CECFF04070}"/>
+              </a:ext>
+            </a:extLst>
+          </p:cNvPr>
+          <p:cNvSpPr txBox="1">
+            <a:spLocks/>
+          </p:cNvSpPr>
+          <p:nvPr/>
+        </p:nvSpPr>
+        <p:spPr>
+          <a:xfrm>
+            <a:off x="4097694" y="4210611"/>
+            <a:ext cx="1390931" cy="552031"/>
+          </a:xfrm>
+          <a:prstGeom prst="rect">
+            <a:avLst/>
+          </a:prstGeom>
+          <a:ln>
+            <a:noFill/>
+          </a:ln>
+          <a:effectLst>
+            <a:outerShdw blurRad="44450" dist="27940" dir="5400000" algn="ctr">
+              <a:srgbClr val="000000">
+                <a:alpha val="32000"/>
+              </a:srgbClr>
+            </a:outerShdw>
+          </a:effectLst>
+          <a:scene3d>
+            <a:camera prst="orthographicFront">
+              <a:rot lat="0" lon="0" rev="0"/>
+            </a:camera>
+            <a:lightRig rig="balanced" dir="t">
+              <a:rot lat="0" lon="0" rev="8700000"/>
+            </a:lightRig>
+          </a:scene3d>
+          <a:sp3d>
+            <a:bevelT w="190500" h="38100"/>
+          </a:sp3d>
+        </p:spPr>
+        <p:txBody>
+          <a:bodyPr vert="horz" lIns="91440" tIns="45720" rIns="91440" bIns="45720" rtlCol="0" anchor="ctr">
+            <a:normAutofit/>
+          </a:bodyPr>
+          <a:lstStyle>
+            <a:lvl1pPr algn="l" defTabSz="914400" rtl="0" eaLnBrk="1" latinLnBrk="0" hangingPunct="1">
+              <a:lnSpc>
+                <a:spcPct val="90000"/>
+              </a:lnSpc>
+              <a:spcBef>
+                <a:spcPct val="0"/>
+              </a:spcBef>
+              <a:buNone/>
+              <a:defRPr sz="4400" kern="1200">
+                <a:solidFill>
+                  <a:schemeClr val="tx1"/>
+                </a:solidFill>
+                <a:latin typeface="+mj-lt"/>
+                <a:ea typeface="+mj-ea"/>
+                <a:cs typeface="+mj-cs"/>
+              </a:defRPr>
+            </a:lvl1pPr>
+          </a:lstStyle>
+          <a:p>
+            <a:r>
+              <a:rPr lang="en-US" sz="1400" b="1" dirty="0">
+                <a:solidFill>
+                  <a:srgbClr val="FF0000"/>
+                </a:solidFill>
+              </a:rPr>
+              <a:t>Cart App</a:t>
+            </a:r>
+          </a:p>
+        </p:txBody>
+      </p:sp>
+      <p:sp>
+        <p:nvSpPr>
+          <p:cNvPr id="5" name="Rectangle 4">
+            <a:extLst>
+              <a:ext uri="{FF2B5EF4-FFF2-40B4-BE49-F238E27FC236}">
+                <a16:creationId xmlns:a16="http://schemas.microsoft.com/office/drawing/2014/main" id="{06054C6D-D4B7-4755-BCD4-9FADFE6F51CF}"/>
+              </a:ext>
+            </a:extLst>
+          </p:cNvPr>
+          <p:cNvSpPr/>
+          <p:nvPr/>
+        </p:nvSpPr>
+        <p:spPr>
+          <a:xfrm>
+            <a:off x="3837467" y="4086411"/>
+            <a:ext cx="1295932" cy="369332"/>
+          </a:xfrm>
+          <a:prstGeom prst="rect">
+            <a:avLst/>
+          </a:prstGeom>
+        </p:spPr>
+        <p:txBody>
+          <a:bodyPr wrap="none">
+            <a:spAutoFit/>
+          </a:bodyPr>
+          <a:lstStyle/>
+          <a:p>
+            <a:r>
+              <a:rPr lang="en-US" b="1" dirty="0">
+                <a:solidFill>
+                  <a:srgbClr val="0070C0"/>
+                </a:solidFill>
+              </a:rPr>
+              <a:t>AKS Service</a:t>
+            </a:r>
+          </a:p>
+        </p:txBody>
+      </p:sp>
+      <p:pic>
+        <p:nvPicPr>
+          <p:cNvPr id="10" name="Graphic 9">
+            <a:extLst>
+              <a:ext uri="{FF2B5EF4-FFF2-40B4-BE49-F238E27FC236}">
+                <a16:creationId xmlns:a16="http://schemas.microsoft.com/office/drawing/2014/main" id="{BED703AD-40F4-41DF-8B90-9A1AE16F44AF}"/>
+              </a:ext>
+            </a:extLst>
+          </p:cNvPr>
+          <p:cNvPicPr>
+            <a:picLocks noChangeAspect="1"/>
+          </p:cNvPicPr>
+          <p:nvPr/>
+        </p:nvPicPr>
+        <p:blipFill>
+          <a:blip r:embed="rId8">
+            <a:extLst>
+              <a:ext uri="{28A0092B-C50C-407E-A947-70E740481C1C}">
+                <a14:useLocalDpi xmlns:a14="http://schemas.microsoft.com/office/drawing/2010/main" val="0"/>
+              </a:ext>
+              <a:ext uri="{96DAC541-7B7A-43D3-8B79-37D633B846F1}">
+                <asvg:svgBlip xmlns:asvg="http://schemas.microsoft.com/office/drawing/2016/SVG/main" r:embed="rId9"/>
+              </a:ext>
+            </a:extLst>
+          </a:blip>
+          <a:stretch>
+            <a:fillRect/>
+          </a:stretch>
+        </p:blipFill>
+        <p:spPr>
+          <a:xfrm>
+            <a:off x="4062129" y="4869677"/>
+            <a:ext cx="827571" cy="827571"/>
+          </a:xfrm>
+          <a:prstGeom prst="rect">
+            <a:avLst/>
+          </a:prstGeom>
+        </p:spPr>
+      </p:pic>
+      <p:sp>
+        <p:nvSpPr>
+          <p:cNvPr id="19" name="Title 8">
+            <a:extLst>
+              <a:ext uri="{FF2B5EF4-FFF2-40B4-BE49-F238E27FC236}">
+                <a16:creationId xmlns:a16="http://schemas.microsoft.com/office/drawing/2014/main" id="{959A6E3F-BDD6-4D1D-A4DD-E519111B95E7}"/>
+              </a:ext>
+            </a:extLst>
+          </p:cNvPr>
+          <p:cNvSpPr txBox="1">
+            <a:spLocks/>
+          </p:cNvSpPr>
+          <p:nvPr/>
+        </p:nvSpPr>
+        <p:spPr>
+          <a:xfrm>
+            <a:off x="3837467" y="5848403"/>
+            <a:ext cx="1555937" cy="663622"/>
+          </a:xfrm>
+          <a:prstGeom prst="rect">
+            <a:avLst/>
+          </a:prstGeom>
+          <a:ln>
+            <a:noFill/>
+          </a:ln>
+          <a:effectLst>
+            <a:outerShdw blurRad="44450" dist="27940" dir="5400000" algn="ctr">
+              <a:srgbClr val="000000">
+                <a:alpha val="32000"/>
+              </a:srgbClr>
+            </a:outerShdw>
+          </a:effectLst>
+          <a:scene3d>
+            <a:camera prst="orthographicFront">
+              <a:rot lat="0" lon="0" rev="0"/>
+            </a:camera>
+            <a:lightRig rig="balanced" dir="t">
+              <a:rot lat="0" lon="0" rev="8700000"/>
+            </a:lightRig>
+          </a:scene3d>
+          <a:sp3d>
+            <a:bevelT w="190500" h="38100"/>
+          </a:sp3d>
+        </p:spPr>
+        <p:txBody>
+          <a:bodyPr vert="horz" lIns="91440" tIns="45720" rIns="91440" bIns="45720" rtlCol="0" anchor="ctr">
+            <a:normAutofit/>
+          </a:bodyPr>
+          <a:lstStyle>
+            <a:lvl1pPr algn="l" defTabSz="914400" rtl="0" eaLnBrk="1" latinLnBrk="0" hangingPunct="1">
+              <a:lnSpc>
+                <a:spcPct val="90000"/>
+              </a:lnSpc>
+              <a:spcBef>
+                <a:spcPct val="0"/>
+              </a:spcBef>
+              <a:buNone/>
+              <a:defRPr sz="4400" kern="1200">
+                <a:solidFill>
+                  <a:schemeClr val="tx1"/>
+                </a:solidFill>
+                <a:latin typeface="+mj-lt"/>
+                <a:ea typeface="+mj-ea"/>
+                <a:cs typeface="+mj-cs"/>
+              </a:defRPr>
+            </a:lvl1pPr>
+          </a:lstStyle>
+          <a:p>
+            <a:r>
+              <a:rPr lang="en-US" sz="1100" b="1" dirty="0">
+                <a:solidFill>
+                  <a:srgbClr val="FF0000"/>
+                </a:solidFill>
+              </a:rPr>
+              <a:t>Container image od cart module</a:t>
+            </a:r>
+          </a:p>
+        </p:txBody>
+      </p:sp>
+      <p:sp>
+        <p:nvSpPr>
+          <p:cNvPr id="21" name="Title 8">
+            <a:extLst>
+              <a:ext uri="{FF2B5EF4-FFF2-40B4-BE49-F238E27FC236}">
+                <a16:creationId xmlns:a16="http://schemas.microsoft.com/office/drawing/2014/main" id="{6EA915B4-67B0-478E-A827-DF7F161E345E}"/>
+              </a:ext>
+            </a:extLst>
+          </p:cNvPr>
+          <p:cNvSpPr txBox="1">
+            <a:spLocks/>
+          </p:cNvSpPr>
+          <p:nvPr/>
+        </p:nvSpPr>
+        <p:spPr>
+          <a:xfrm>
+            <a:off x="4250395" y="5734541"/>
+            <a:ext cx="798419" cy="305876"/>
+          </a:xfrm>
+          <a:prstGeom prst="rect">
+            <a:avLst/>
+          </a:prstGeom>
+          <a:ln>
+            <a:noFill/>
+          </a:ln>
+          <a:effectLst>
+            <a:outerShdw blurRad="44450" dist="27940" dir="5400000" algn="ctr">
+              <a:srgbClr val="000000">
+                <a:alpha val="32000"/>
+              </a:srgbClr>
+            </a:outerShdw>
+          </a:effectLst>
+          <a:scene3d>
+            <a:camera prst="orthographicFront">
+              <a:rot lat="0" lon="0" rev="0"/>
+            </a:camera>
+            <a:lightRig rig="balanced" dir="t">
+              <a:rot lat="0" lon="0" rev="8700000"/>
+            </a:lightRig>
+          </a:scene3d>
+          <a:sp3d>
+            <a:bevelT w="190500" h="38100"/>
+          </a:sp3d>
+        </p:spPr>
+        <p:txBody>
+          <a:bodyPr vert="horz" lIns="91440" tIns="45720" rIns="91440" bIns="45720" rtlCol="0" anchor="ctr">
+            <a:noAutofit/>
+          </a:bodyPr>
+          <a:lstStyle>
+            <a:lvl1pPr algn="l" defTabSz="914400" rtl="0" eaLnBrk="1" latinLnBrk="0" hangingPunct="1">
+              <a:lnSpc>
+                <a:spcPct val="90000"/>
+              </a:lnSpc>
+              <a:spcBef>
+                <a:spcPct val="0"/>
+              </a:spcBef>
+              <a:buNone/>
+              <a:defRPr sz="4400" kern="1200">
+                <a:solidFill>
+                  <a:schemeClr val="tx1"/>
+                </a:solidFill>
+                <a:latin typeface="+mj-lt"/>
+                <a:ea typeface="+mj-ea"/>
+                <a:cs typeface="+mj-cs"/>
+              </a:defRPr>
+            </a:lvl1pPr>
+          </a:lstStyle>
+          <a:p>
+            <a:r>
+              <a:rPr lang="en-US" sz="1800" b="1" dirty="0">
+                <a:solidFill>
+                  <a:srgbClr val="0070C0"/>
+                </a:solidFill>
+              </a:rPr>
+              <a:t>ACR</a:t>
+            </a:r>
+          </a:p>
+        </p:txBody>
+      </p:sp>
+      <p:cxnSp>
+        <p:nvCxnSpPr>
+          <p:cNvPr id="17" name="Straight Connector 16">
+            <a:extLst>
+              <a:ext uri="{FF2B5EF4-FFF2-40B4-BE49-F238E27FC236}">
+                <a16:creationId xmlns:a16="http://schemas.microsoft.com/office/drawing/2014/main" id="{EF88BF77-3F3E-4E0C-B165-D90924989B7D}"/>
+              </a:ext>
+            </a:extLst>
+          </p:cNvPr>
+          <p:cNvCxnSpPr>
+            <a:cxnSpLocks/>
+          </p:cNvCxnSpPr>
+          <p:nvPr/>
+        </p:nvCxnSpPr>
+        <p:spPr>
+          <a:xfrm flipH="1">
+            <a:off x="3227294" y="3594285"/>
+            <a:ext cx="773484" cy="0"/>
+          </a:xfrm>
+          <a:prstGeom prst="line">
+            <a:avLst/>
+          </a:prstGeom>
+        </p:spPr>
+        <p:style>
+          <a:lnRef idx="1">
+            <a:schemeClr val="accent1"/>
+          </a:lnRef>
+          <a:fillRef idx="0">
+            <a:schemeClr val="accent1"/>
+          </a:fillRef>
+          <a:effectRef idx="0">
+            <a:schemeClr val="accent1"/>
+          </a:effectRef>
+          <a:fontRef idx="minor">
+            <a:schemeClr val="tx1"/>
+          </a:fontRef>
+        </p:style>
+      </p:cxnSp>
+      <p:cxnSp>
+        <p:nvCxnSpPr>
+          <p:cNvPr id="25" name="Connector: Elbow 24">
+            <a:extLst>
+              <a:ext uri="{FF2B5EF4-FFF2-40B4-BE49-F238E27FC236}">
+                <a16:creationId xmlns:a16="http://schemas.microsoft.com/office/drawing/2014/main" id="{BA3367B1-7B48-41F6-86EF-296F9D504B3E}"/>
+              </a:ext>
+            </a:extLst>
+          </p:cNvPr>
+          <p:cNvCxnSpPr>
+            <a:cxnSpLocks/>
+            <a:endCxn id="10" idx="1"/>
+          </p:cNvCxnSpPr>
+          <p:nvPr/>
+        </p:nvCxnSpPr>
+        <p:spPr>
+          <a:xfrm rot="16200000" flipH="1">
+            <a:off x="2795819" y="4017153"/>
+            <a:ext cx="1723704" cy="808916"/>
+          </a:xfrm>
+          <a:prstGeom prst="bentConnector2">
+            <a:avLst/>
+          </a:prstGeom>
+        </p:spPr>
+        <p:style>
+          <a:lnRef idx="1">
+            <a:schemeClr val="accent1"/>
+          </a:lnRef>
+          <a:fillRef idx="0">
+            <a:schemeClr val="accent1"/>
+          </a:fillRef>
+          <a:effectRef idx="0">
+            <a:schemeClr val="accent1"/>
+          </a:effectRef>
+          <a:fontRef idx="minor">
+            <a:schemeClr val="tx1"/>
+          </a:fontRef>
+        </p:style>
+      </p:cxnSp>
+    </p:spTree>
+    <p:extLst>
+      <p:ext uri="{BB962C8B-B14F-4D97-AF65-F5344CB8AC3E}">
+        <p14:creationId xmlns:p14="http://schemas.microsoft.com/office/powerpoint/2010/main" val="396117299"/>
+      </p:ext>
+    </p:extLst>
+  </p:cSld>
+  <p:clrMapOvr>
+    <a:masterClrMapping/>
+  </p:clrMapOvr>
+</p:sld>
+</file>
+
 <file path=ppt/theme/theme1.xml><?xml version="1.0" encoding="utf-8"?>
 <a:theme xmlns:a="http://schemas.openxmlformats.org/drawingml/2006/main" name="Office Theme">
   <a:themeElements>
